--- a/src/main/resources/assets/ppt/initiation.pptx
+++ b/src/main/resources/assets/ppt/initiation.pptx
@@ -327,7 +327,7 @@
             </a:pPr>
             <a:fld id="{C5F1BE8E-D059-4C33-BD06-D860220E4118}" type="datetimeFigureOut">
               <a:rPr lang="ja-JP" altLang="en-US"/>
-              <a:t>2022/9/2</a:t>
+              <a:t>2022/9/4</a:t>
             </a:fld>
             <a:endParaRPr lang="en-US" altLang="ja-JP"/>
           </a:p>
@@ -528,7 +528,7 @@
             </a:pPr>
             <a:fld id="{0AB0CB7E-2DCC-4E2A-A36A-77D4EE5194F1}" type="datetimeFigureOut">
               <a:rPr lang="zh-CN" altLang="en-US"/>
-              <a:t>2022/9/2</a:t>
+              <a:t>2022/9/4</a:t>
             </a:fld>
             <a:endParaRPr lang="zh-CN" altLang="en-US"/>
           </a:p>
@@ -1043,9 +1043,6 @@
   <p:clrMapOvr>
     <a:masterClrMapping/>
   </p:clrMapOvr>
-  <p:transition spd="med">
-    <p:fade/>
-  </p:transition>
 </p:sldLayout>
 </file>
 
@@ -1234,9 +1231,6 @@
   <p:clrMapOvr>
     <a:masterClrMapping/>
   </p:clrMapOvr>
-  <p:transition spd="med">
-    <p:fade/>
-  </p:transition>
 </p:sldLayout>
 </file>
 
@@ -1285,9 +1279,6 @@
     <p:sldLayoutId id="2147483658" r:id="rId1"/>
     <p:sldLayoutId id="2147483657" r:id="rId2"/>
   </p:sldLayoutIdLst>
-  <p:transition spd="med">
-    <p:fade/>
-  </p:transition>
   <p:hf hdr="0"/>
   <p:txStyles>
     <p:titleStyle>
@@ -1798,9 +1789,6 @@
   <p:clrMapOvr>
     <a:masterClrMapping/>
   </p:clrMapOvr>
-  <p:transition spd="med">
-    <p:fade/>
-  </p:transition>
 </p:sld>
 </file>
 
@@ -1895,9 +1883,6 @@
   <p:clrMapOvr>
     <a:masterClrMapping/>
   </p:clrMapOvr>
-  <p:transition spd="med">
-    <p:fade/>
-  </p:transition>
 </p:sld>
 </file>
 
@@ -2117,9 +2102,6 @@
   <p:clrMapOvr>
     <a:masterClrMapping/>
   </p:clrMapOvr>
-  <p:transition spd="med">
-    <p:fade/>
-  </p:transition>
 </p:sld>
 </file>
 
@@ -2439,9 +2421,6 @@
   <p:clrMapOvr>
     <a:masterClrMapping/>
   </p:clrMapOvr>
-  <p:transition spd="med">
-    <p:fade/>
-  </p:transition>
 </p:sld>
 </file>
 
@@ -2761,9 +2740,6 @@
   <p:clrMapOvr>
     <a:masterClrMapping/>
   </p:clrMapOvr>
-  <p:transition spd="med">
-    <p:fade/>
-  </p:transition>
 </p:sld>
 </file>
 
@@ -3083,9 +3059,6 @@
   <p:clrMapOvr>
     <a:masterClrMapping/>
   </p:clrMapOvr>
-  <p:transition spd="med">
-    <p:fade/>
-  </p:transition>
 </p:sld>
 </file>
 
@@ -3276,9 +3249,6 @@
   <p:clrMapOvr>
     <a:masterClrMapping/>
   </p:clrMapOvr>
-  <p:transition spd="med">
-    <p:fade/>
-  </p:transition>
 </p:sld>
 </file>
 
@@ -3621,9 +3591,6 @@
   <p:clrMapOvr>
     <a:masterClrMapping/>
   </p:clrMapOvr>
-  <p:transition spd="med">
-    <p:fade/>
-  </p:transition>
 </p:sld>
 </file>
 
@@ -3830,9 +3797,6 @@
   <p:clrMapOvr>
     <a:masterClrMapping/>
   </p:clrMapOvr>
-  <p:transition spd="med">
-    <p:fade/>
-  </p:transition>
 </p:sld>
 </file>
 
@@ -3905,9 +3869,6 @@
   <p:clrMapOvr>
     <a:masterClrMapping/>
   </p:clrMapOvr>
-  <p:transition spd="med">
-    <p:fade/>
-  </p:transition>
 </p:sld>
 </file>
 
@@ -4157,9 +4118,6 @@
   <p:clrMapOvr>
     <a:masterClrMapping/>
   </p:clrMapOvr>
-  <p:transition spd="med">
-    <p:fade/>
-  </p:transition>
 </p:sld>
 </file>
 
@@ -4521,9 +4479,6 @@
   <p:clrMapOvr>
     <a:masterClrMapping/>
   </p:clrMapOvr>
-  <p:transition spd="med">
-    <p:fade/>
-  </p:transition>
 </p:sld>
 </file>
 
@@ -4717,9 +4672,6 @@
   <p:clrMapOvr>
     <a:masterClrMapping/>
   </p:clrMapOvr>
-  <p:transition spd="med">
-    <p:fade/>
-  </p:transition>
 </p:sld>
 </file>
 
@@ -4985,9 +4937,6 @@
   <p:clrMapOvr>
     <a:masterClrMapping/>
   </p:clrMapOvr>
-  <p:transition spd="med">
-    <p:fade/>
-  </p:transition>
 </p:sld>
 </file>
 
@@ -5298,9 +5247,6 @@
   <p:clrMapOvr>
     <a:masterClrMapping/>
   </p:clrMapOvr>
-  <p:transition spd="med">
-    <p:fade/>
-  </p:transition>
 </p:sld>
 </file>
 
@@ -5611,9 +5557,6 @@
   <p:clrMapOvr>
     <a:masterClrMapping/>
   </p:clrMapOvr>
-  <p:transition spd="med">
-    <p:fade/>
-  </p:transition>
 </p:sld>
 </file>
 
@@ -6046,9 +5989,6 @@
   <p:clrMapOvr>
     <a:masterClrMapping/>
   </p:clrMapOvr>
-  <p:transition spd="med">
-    <p:fade/>
-  </p:transition>
 </p:sld>
 </file>
 
@@ -6456,9 +6396,6 @@
   <p:clrMapOvr>
     <a:masterClrMapping/>
   </p:clrMapOvr>
-  <p:transition spd="med">
-    <p:fade/>
-  </p:transition>
 </p:sld>
 </file>
 
@@ -6596,9 +6533,6 @@
   <p:clrMapOvr>
     <a:masterClrMapping/>
   </p:clrMapOvr>
-  <p:transition spd="med">
-    <p:fade/>
-  </p:transition>
 </p:sld>
 </file>
 
@@ -6693,9 +6627,6 @@
   <p:clrMapOvr>
     <a:masterClrMapping/>
   </p:clrMapOvr>
-  <p:transition spd="med">
-    <p:fade/>
-  </p:transition>
 </p:sld>
 </file>
 
@@ -6902,9 +6833,6 @@
   <p:clrMapOvr>
     <a:masterClrMapping/>
   </p:clrMapOvr>
-  <p:transition spd="med">
-    <p:fade/>
-  </p:transition>
 </p:sld>
 </file>
 
@@ -7121,9 +7049,6 @@
   <p:clrMapOvr>
     <a:masterClrMapping/>
   </p:clrMapOvr>
-  <p:transition spd="med">
-    <p:fade/>
-  </p:transition>
 </p:sld>
 </file>
 
@@ -7503,9 +7428,6 @@
   <p:clrMapOvr>
     <a:masterClrMapping/>
   </p:clrMapOvr>
-  <p:transition spd="med">
-    <p:fade/>
-  </p:transition>
 </p:sld>
 </file>
 
@@ -7734,9 +7656,6 @@
   <p:clrMapOvr>
     <a:masterClrMapping/>
   </p:clrMapOvr>
-  <p:transition spd="med">
-    <p:fade/>
-  </p:transition>
 </p:sld>
 </file>
 
@@ -7906,9 +7825,6 @@
   <p:clrMapOvr>
     <a:masterClrMapping/>
   </p:clrMapOvr>
-  <p:transition spd="med">
-    <p:fade/>
-  </p:transition>
 </p:sld>
 </file>
 
@@ -8105,9 +8021,6 @@
   <p:clrMapOvr>
     <a:masterClrMapping/>
   </p:clrMapOvr>
-  <p:transition spd="med">
-    <p:fade/>
-  </p:transition>
 </p:sld>
 </file>
 
@@ -8245,9 +8158,6 @@
   <p:clrMapOvr>
     <a:masterClrMapping/>
   </p:clrMapOvr>
-  <p:transition spd="med">
-    <p:fade/>
-  </p:transition>
 </p:sld>
 </file>
 
@@ -8385,9 +8295,6 @@
   <p:clrMapOvr>
     <a:masterClrMapping/>
   </p:clrMapOvr>
-  <p:transition spd="med">
-    <p:fade/>
-  </p:transition>
 </p:sld>
 </file>
 
@@ -8525,9 +8432,6 @@
   <p:clrMapOvr>
     <a:masterClrMapping/>
   </p:clrMapOvr>
-  <p:transition spd="med">
-    <p:fade/>
-  </p:transition>
 </p:sld>
 </file>
 
@@ -8684,9 +8588,6 @@
   <p:clrMapOvr>
     <a:masterClrMapping/>
   </p:clrMapOvr>
-  <p:transition spd="med">
-    <p:fade/>
-  </p:transition>
 </p:sld>
 </file>
 
@@ -8843,9 +8744,6 @@
   <p:clrMapOvr>
     <a:masterClrMapping/>
   </p:clrMapOvr>
-  <p:transition spd="med">
-    <p:fade/>
-  </p:transition>
 </p:sld>
 </file>
 
@@ -8995,9 +8893,6 @@
   <p:clrMapOvr>
     <a:masterClrMapping/>
   </p:clrMapOvr>
-  <p:transition spd="med">
-    <p:fade/>
-  </p:transition>
 </p:sld>
 </file>
 
@@ -9254,9 +9149,6 @@
   <p:clrMapOvr>
     <a:masterClrMapping/>
   </p:clrMapOvr>
-  <p:transition spd="med">
-    <p:fade/>
-  </p:transition>
 </p:sld>
 </file>
 
@@ -9522,9 +9414,6 @@
   <p:clrMapOvr>
     <a:masterClrMapping/>
   </p:clrMapOvr>
-  <p:transition spd="med">
-    <p:fade/>
-  </p:transition>
 </p:sld>
 </file>
 
@@ -9664,9 +9553,6 @@
   <p:clrMapOvr>
     <a:masterClrMapping/>
   </p:clrMapOvr>
-  <p:transition spd="med">
-    <p:fade/>
-  </p:transition>
 </p:sld>
 </file>
 
@@ -9806,9 +9692,6 @@
   <p:clrMapOvr>
     <a:masterClrMapping/>
   </p:clrMapOvr>
-  <p:transition spd="med">
-    <p:fade/>
-  </p:transition>
 </p:sld>
 </file>
 
@@ -9948,9 +9831,6 @@
   <p:clrMapOvr>
     <a:masterClrMapping/>
   </p:clrMapOvr>
-  <p:transition spd="med">
-    <p:fade/>
-  </p:transition>
 </p:sld>
 </file>
 
@@ -10090,9 +9970,6 @@
   <p:clrMapOvr>
     <a:masterClrMapping/>
   </p:clrMapOvr>
-  <p:transition spd="med">
-    <p:fade/>
-  </p:transition>
 </p:sld>
 </file>
 
@@ -10248,9 +10125,6 @@
   <p:clrMapOvr>
     <a:masterClrMapping/>
   </p:clrMapOvr>
-  <p:transition spd="med">
-    <p:fade/>
-  </p:transition>
 </p:sld>
 </file>
 
@@ -10415,9 +10289,6 @@
   <p:clrMapOvr>
     <a:masterClrMapping/>
   </p:clrMapOvr>
-  <p:transition spd="med">
-    <p:fade/>
-  </p:transition>
 </p:sld>
 </file>
 
@@ -10582,9 +10453,6 @@
   <p:clrMapOvr>
     <a:masterClrMapping/>
   </p:clrMapOvr>
-  <p:transition spd="med">
-    <p:fade/>
-  </p:transition>
 </p:sld>
 </file>
 
@@ -10749,9 +10617,6 @@
   <p:clrMapOvr>
     <a:masterClrMapping/>
   </p:clrMapOvr>
-  <p:transition spd="med">
-    <p:fade/>
-  </p:transition>
 </p:sld>
 </file>
 
@@ -10916,9 +10781,6 @@
   <p:clrMapOvr>
     <a:masterClrMapping/>
   </p:clrMapOvr>
-  <p:transition spd="med">
-    <p:fade/>
-  </p:transition>
 </p:sld>
 </file>
 
@@ -11103,9 +10965,6 @@
   <p:clrMapOvr>
     <a:masterClrMapping/>
   </p:clrMapOvr>
-  <p:transition spd="med">
-    <p:fade/>
-  </p:transition>
 </p:sld>
 </file>
 
@@ -11416,9 +11275,6 @@
   <p:clrMapOvr>
     <a:masterClrMapping/>
   </p:clrMapOvr>
-  <p:transition spd="med">
-    <p:fade/>
-  </p:transition>
 </p:sld>
 </file>
 
@@ -11626,9 +11482,6 @@
   <p:clrMapOvr>
     <a:masterClrMapping/>
   </p:clrMapOvr>
-  <p:transition spd="med">
-    <p:fade/>
-  </p:transition>
 </p:sld>
 </file>
 
@@ -11939,9 +11792,6 @@
   <p:clrMapOvr>
     <a:masterClrMapping/>
   </p:clrMapOvr>
-  <p:transition spd="med">
-    <p:fade/>
-  </p:transition>
 </p:sld>
 </file>
 
@@ -12374,9 +12224,6 @@
   <p:clrMapOvr>
     <a:masterClrMapping/>
   </p:clrMapOvr>
-  <p:transition spd="med">
-    <p:fade/>
-  </p:transition>
 </p:sld>
 </file>
 
@@ -12784,9 +12631,6 @@
   <p:clrMapOvr>
     <a:masterClrMapping/>
   </p:clrMapOvr>
-  <p:transition spd="med">
-    <p:fade/>
-  </p:transition>
 </p:sld>
 </file>
 
@@ -13032,9 +12876,6 @@
   <p:clrMapOvr>
     <a:masterClrMapping/>
   </p:clrMapOvr>
-  <p:transition spd="med">
-    <p:fade/>
-  </p:transition>
 </p:sld>
 </file>
 
